--- a/FPG實習報告HW1.pptx
+++ b/FPG實習報告HW1.pptx
@@ -7,6 +7,8 @@
   <p:sldIdLst>
     <p:sldId id="256" r:id="rId2"/>
     <p:sldId id="257" r:id="rId3"/>
+    <p:sldId id="258" r:id="rId4"/>
+    <p:sldId id="259" r:id="rId5"/>
   </p:sldIdLst>
   <p:sldSz cx="12192000" cy="6858000"/>
   <p:notesSz cx="6858000" cy="9144000"/>
@@ -260,7 +262,7 @@
           <a:p>
             <a:fld id="{32B59D82-841A-43A7-A7DE-1062E3F746C5}" type="datetimeFigureOut">
               <a:rPr lang="zh-TW" altLang="en-US" smtClean="0"/>
-              <a:t>2024/9/29</a:t>
+              <a:t>2024/10/15</a:t>
             </a:fld>
             <a:endParaRPr lang="zh-TW" altLang="en-US"/>
           </a:p>
@@ -458,7 +460,7 @@
           <a:p>
             <a:fld id="{32B59D82-841A-43A7-A7DE-1062E3F746C5}" type="datetimeFigureOut">
               <a:rPr lang="zh-TW" altLang="en-US" smtClean="0"/>
-              <a:t>2024/9/29</a:t>
+              <a:t>2024/10/15</a:t>
             </a:fld>
             <a:endParaRPr lang="zh-TW" altLang="en-US"/>
           </a:p>
@@ -666,7 +668,7 @@
           <a:p>
             <a:fld id="{32B59D82-841A-43A7-A7DE-1062E3F746C5}" type="datetimeFigureOut">
               <a:rPr lang="zh-TW" altLang="en-US" smtClean="0"/>
-              <a:t>2024/9/29</a:t>
+              <a:t>2024/10/15</a:t>
             </a:fld>
             <a:endParaRPr lang="zh-TW" altLang="en-US"/>
           </a:p>
@@ -864,7 +866,7 @@
           <a:p>
             <a:fld id="{32B59D82-841A-43A7-A7DE-1062E3F746C5}" type="datetimeFigureOut">
               <a:rPr lang="zh-TW" altLang="en-US" smtClean="0"/>
-              <a:t>2024/9/29</a:t>
+              <a:t>2024/10/15</a:t>
             </a:fld>
             <a:endParaRPr lang="zh-TW" altLang="en-US"/>
           </a:p>
@@ -1139,7 +1141,7 @@
           <a:p>
             <a:fld id="{32B59D82-841A-43A7-A7DE-1062E3F746C5}" type="datetimeFigureOut">
               <a:rPr lang="zh-TW" altLang="en-US" smtClean="0"/>
-              <a:t>2024/9/29</a:t>
+              <a:t>2024/10/15</a:t>
             </a:fld>
             <a:endParaRPr lang="zh-TW" altLang="en-US"/>
           </a:p>
@@ -1404,7 +1406,7 @@
           <a:p>
             <a:fld id="{32B59D82-841A-43A7-A7DE-1062E3F746C5}" type="datetimeFigureOut">
               <a:rPr lang="zh-TW" altLang="en-US" smtClean="0"/>
-              <a:t>2024/9/29</a:t>
+              <a:t>2024/10/15</a:t>
             </a:fld>
             <a:endParaRPr lang="zh-TW" altLang="en-US"/>
           </a:p>
@@ -1816,7 +1818,7 @@
           <a:p>
             <a:fld id="{32B59D82-841A-43A7-A7DE-1062E3F746C5}" type="datetimeFigureOut">
               <a:rPr lang="zh-TW" altLang="en-US" smtClean="0"/>
-              <a:t>2024/9/29</a:t>
+              <a:t>2024/10/15</a:t>
             </a:fld>
             <a:endParaRPr lang="zh-TW" altLang="en-US"/>
           </a:p>
@@ -1957,7 +1959,7 @@
           <a:p>
             <a:fld id="{32B59D82-841A-43A7-A7DE-1062E3F746C5}" type="datetimeFigureOut">
               <a:rPr lang="zh-TW" altLang="en-US" smtClean="0"/>
-              <a:t>2024/9/29</a:t>
+              <a:t>2024/10/15</a:t>
             </a:fld>
             <a:endParaRPr lang="zh-TW" altLang="en-US"/>
           </a:p>
@@ -2070,7 +2072,7 @@
           <a:p>
             <a:fld id="{32B59D82-841A-43A7-A7DE-1062E3F746C5}" type="datetimeFigureOut">
               <a:rPr lang="zh-TW" altLang="en-US" smtClean="0"/>
-              <a:t>2024/9/29</a:t>
+              <a:t>2024/10/15</a:t>
             </a:fld>
             <a:endParaRPr lang="zh-TW" altLang="en-US"/>
           </a:p>
@@ -2381,7 +2383,7 @@
           <a:p>
             <a:fld id="{32B59D82-841A-43A7-A7DE-1062E3F746C5}" type="datetimeFigureOut">
               <a:rPr lang="zh-TW" altLang="en-US" smtClean="0"/>
-              <a:t>2024/9/29</a:t>
+              <a:t>2024/10/15</a:t>
             </a:fld>
             <a:endParaRPr lang="zh-TW" altLang="en-US"/>
           </a:p>
@@ -2669,7 +2671,7 @@
           <a:p>
             <a:fld id="{32B59D82-841A-43A7-A7DE-1062E3F746C5}" type="datetimeFigureOut">
               <a:rPr lang="zh-TW" altLang="en-US" smtClean="0"/>
-              <a:t>2024/9/29</a:t>
+              <a:t>2024/10/15</a:t>
             </a:fld>
             <a:endParaRPr lang="zh-TW" altLang="en-US"/>
           </a:p>
@@ -2910,7 +2912,7 @@
           <a:p>
             <a:fld id="{32B59D82-841A-43A7-A7DE-1062E3F746C5}" type="datetimeFigureOut">
               <a:rPr lang="zh-TW" altLang="en-US" smtClean="0"/>
-              <a:t>2024/9/29</a:t>
+              <a:t>2024/10/15</a:t>
             </a:fld>
             <a:endParaRPr lang="zh-TW" altLang="en-US"/>
           </a:p>
@@ -4275,6 +4277,388 @@
     <p:extLst>
       <p:ext uri="{BB962C8B-B14F-4D97-AF65-F5344CB8AC3E}">
         <p14:creationId xmlns:p14="http://schemas.microsoft.com/office/powerpoint/2010/main" val="779028676"/>
+      </p:ext>
+    </p:extLst>
+  </p:cSld>
+  <p:clrMapOvr>
+    <a:masterClrMapping/>
+  </p:clrMapOvr>
+</p:sld>
+</file>
+
+<file path=ppt/slides/slide3.xml><?xml version="1.0" encoding="utf-8"?>
+<p:sld xmlns:a="http://schemas.openxmlformats.org/drawingml/2006/main" xmlns:r="http://schemas.openxmlformats.org/officeDocument/2006/relationships" xmlns:p="http://schemas.openxmlformats.org/presentationml/2006/main">
+  <p:cSld>
+    <p:spTree>
+      <p:nvGrpSpPr>
+        <p:cNvPr id="1" name=""/>
+        <p:cNvGrpSpPr/>
+        <p:nvPr/>
+      </p:nvGrpSpPr>
+      <p:grpSpPr>
+        <a:xfrm>
+          <a:off x="0" y="0"/>
+          <a:ext cx="0" cy="0"/>
+          <a:chOff x="0" y="0"/>
+          <a:chExt cx="0" cy="0"/>
+        </a:xfrm>
+      </p:grpSpPr>
+      <p:sp>
+        <p:nvSpPr>
+          <p:cNvPr id="2" name="標題 1">
+            <a:extLst>
+              <a:ext uri="{FF2B5EF4-FFF2-40B4-BE49-F238E27FC236}">
+                <a16:creationId xmlns:a16="http://schemas.microsoft.com/office/drawing/2014/main" id="{B7E47152-36C5-469E-8DC1-59F92E2D7D6D}"/>
+              </a:ext>
+            </a:extLst>
+          </p:cNvPr>
+          <p:cNvSpPr>
+            <a:spLocks noGrp="1"/>
+          </p:cNvSpPr>
+          <p:nvPr>
+            <p:ph type="title"/>
+          </p:nvPr>
+        </p:nvSpPr>
+        <p:spPr/>
+        <p:txBody>
+          <a:bodyPr/>
+          <a:lstStyle/>
+          <a:p>
+            <a:pPr algn="ctr"/>
+            <a:r>
+              <a:rPr lang="zh-TW" altLang="en-US" dirty="0">
+                <a:latin typeface="標楷體" panose="03000509000000000000" pitchFamily="65" charset="-120"/>
+                <a:ea typeface="標楷體" panose="03000509000000000000" pitchFamily="65" charset="-120"/>
+              </a:rPr>
+              <a:t>波行模擬</a:t>
+            </a:r>
+          </a:p>
+        </p:txBody>
+      </p:sp>
+      <p:pic>
+        <p:nvPicPr>
+          <p:cNvPr id="4" name="圖片 3">
+            <a:extLst>
+              <a:ext uri="{FF2B5EF4-FFF2-40B4-BE49-F238E27FC236}">
+                <a16:creationId xmlns:a16="http://schemas.microsoft.com/office/drawing/2014/main" id="{16B2EF8F-9AAB-4BCB-A45E-4B3964E09EA8}"/>
+              </a:ext>
+            </a:extLst>
+          </p:cNvPr>
+          <p:cNvPicPr>
+            <a:picLocks noChangeAspect="1"/>
+          </p:cNvPicPr>
+          <p:nvPr/>
+        </p:nvPicPr>
+        <p:blipFill>
+          <a:blip r:embed="rId2"/>
+          <a:stretch>
+            <a:fillRect/>
+          </a:stretch>
+        </p:blipFill>
+        <p:spPr>
+          <a:xfrm>
+            <a:off x="838200" y="1912630"/>
+            <a:ext cx="9503134" cy="1904768"/>
+          </a:xfrm>
+          <a:prstGeom prst="rect">
+            <a:avLst/>
+          </a:prstGeom>
+        </p:spPr>
+      </p:pic>
+      <p:sp>
+        <p:nvSpPr>
+          <p:cNvPr id="5" name="矩形 4">
+            <a:extLst>
+              <a:ext uri="{FF2B5EF4-FFF2-40B4-BE49-F238E27FC236}">
+                <a16:creationId xmlns:a16="http://schemas.microsoft.com/office/drawing/2014/main" id="{1B2D1C92-62F2-49D4-81E8-F2FA97BD8C53}"/>
+              </a:ext>
+            </a:extLst>
+          </p:cNvPr>
+          <p:cNvSpPr/>
+          <p:nvPr/>
+        </p:nvSpPr>
+        <p:spPr>
+          <a:xfrm>
+            <a:off x="4252404" y="1912629"/>
+            <a:ext cx="2849732" cy="1922523"/>
+          </a:xfrm>
+          <a:prstGeom prst="rect">
+            <a:avLst/>
+          </a:prstGeom>
+          <a:noFill/>
+          <a:ln w="38100">
+            <a:solidFill>
+              <a:srgbClr val="FF0000"/>
+            </a:solidFill>
+          </a:ln>
+        </p:spPr>
+        <p:style>
+          <a:lnRef idx="2">
+            <a:schemeClr val="accent1">
+              <a:shade val="50000"/>
+            </a:schemeClr>
+          </a:lnRef>
+          <a:fillRef idx="1">
+            <a:schemeClr val="accent1"/>
+          </a:fillRef>
+          <a:effectRef idx="0">
+            <a:schemeClr val="accent1"/>
+          </a:effectRef>
+          <a:fontRef idx="minor">
+            <a:schemeClr val="lt1"/>
+          </a:fontRef>
+        </p:style>
+        <p:txBody>
+          <a:bodyPr rtlCol="0" anchor="ctr"/>
+          <a:lstStyle/>
+          <a:p>
+            <a:pPr algn="ctr"/>
+            <a:r>
+              <a:rPr lang="en-US" altLang="zh-TW" dirty="0"/>
+              <a:t>]</a:t>
+            </a:r>
+            <a:endParaRPr lang="zh-TW" altLang="en-US" dirty="0"/>
+          </a:p>
+        </p:txBody>
+      </p:sp>
+      <p:sp>
+        <p:nvSpPr>
+          <p:cNvPr id="7" name="矩形 6">
+            <a:extLst>
+              <a:ext uri="{FF2B5EF4-FFF2-40B4-BE49-F238E27FC236}">
+                <a16:creationId xmlns:a16="http://schemas.microsoft.com/office/drawing/2014/main" id="{8AAC7F4C-976B-4EA7-8B87-5FF8AF736528}"/>
+              </a:ext>
+            </a:extLst>
+          </p:cNvPr>
+          <p:cNvSpPr/>
+          <p:nvPr/>
+        </p:nvSpPr>
+        <p:spPr>
+          <a:xfrm>
+            <a:off x="7103616" y="1894875"/>
+            <a:ext cx="3237718" cy="1922523"/>
+          </a:xfrm>
+          <a:prstGeom prst="rect">
+            <a:avLst/>
+          </a:prstGeom>
+          <a:noFill/>
+          <a:ln w="38100">
+            <a:solidFill>
+              <a:srgbClr val="FF0000"/>
+            </a:solidFill>
+          </a:ln>
+        </p:spPr>
+        <p:style>
+          <a:lnRef idx="2">
+            <a:schemeClr val="accent1">
+              <a:shade val="50000"/>
+            </a:schemeClr>
+          </a:lnRef>
+          <a:fillRef idx="1">
+            <a:schemeClr val="accent1"/>
+          </a:fillRef>
+          <a:effectRef idx="0">
+            <a:schemeClr val="accent1"/>
+          </a:effectRef>
+          <a:fontRef idx="minor">
+            <a:schemeClr val="lt1"/>
+          </a:fontRef>
+        </p:style>
+        <p:txBody>
+          <a:bodyPr rtlCol="0" anchor="ctr"/>
+          <a:lstStyle/>
+          <a:p>
+            <a:pPr algn="ctr"/>
+            <a:r>
+              <a:rPr lang="en-US" altLang="zh-TW" dirty="0"/>
+              <a:t>]</a:t>
+            </a:r>
+            <a:endParaRPr lang="zh-TW" altLang="en-US" dirty="0"/>
+          </a:p>
+        </p:txBody>
+      </p:sp>
+      <p:sp>
+        <p:nvSpPr>
+          <p:cNvPr id="10" name="文字方塊 9">
+            <a:extLst>
+              <a:ext uri="{FF2B5EF4-FFF2-40B4-BE49-F238E27FC236}">
+                <a16:creationId xmlns:a16="http://schemas.microsoft.com/office/drawing/2014/main" id="{EA67E4F6-82EE-4A27-9EF6-B77BA35E8830}"/>
+              </a:ext>
+            </a:extLst>
+          </p:cNvPr>
+          <p:cNvSpPr txBox="1"/>
+          <p:nvPr/>
+        </p:nvSpPr>
+        <p:spPr>
+          <a:xfrm>
+            <a:off x="4252404" y="4172505"/>
+            <a:ext cx="2956264" cy="646331"/>
+          </a:xfrm>
+          <a:prstGeom prst="rect">
+            <a:avLst/>
+          </a:prstGeom>
+          <a:noFill/>
+        </p:spPr>
+        <p:txBody>
+          <a:bodyPr wrap="square" rtlCol="0">
+            <a:spAutoFit/>
+          </a:bodyPr>
+          <a:lstStyle/>
+          <a:p>
+            <a:r>
+              <a:rPr lang="en-US" altLang="zh-TW" dirty="0"/>
+              <a:t>State=0</a:t>
+            </a:r>
+          </a:p>
+          <a:p>
+            <a:r>
+              <a:rPr lang="en-US" altLang="zh-TW" dirty="0"/>
+              <a:t>Counter1</a:t>
+            </a:r>
+            <a:r>
+              <a:rPr lang="zh-TW" altLang="en-US" dirty="0"/>
+              <a:t>開始上數</a:t>
+            </a:r>
+          </a:p>
+        </p:txBody>
+      </p:sp>
+      <p:sp>
+        <p:nvSpPr>
+          <p:cNvPr id="14" name="文字方塊 13">
+            <a:extLst>
+              <a:ext uri="{FF2B5EF4-FFF2-40B4-BE49-F238E27FC236}">
+                <a16:creationId xmlns:a16="http://schemas.microsoft.com/office/drawing/2014/main" id="{D1C1DB96-2B28-4F8E-95A8-0685D00590C5}"/>
+              </a:ext>
+            </a:extLst>
+          </p:cNvPr>
+          <p:cNvSpPr txBox="1"/>
+          <p:nvPr/>
+        </p:nvSpPr>
+        <p:spPr>
+          <a:xfrm>
+            <a:off x="7102136" y="4248705"/>
+            <a:ext cx="2956264" cy="646331"/>
+          </a:xfrm>
+          <a:prstGeom prst="rect">
+            <a:avLst/>
+          </a:prstGeom>
+          <a:noFill/>
+        </p:spPr>
+        <p:txBody>
+          <a:bodyPr wrap="square" rtlCol="0">
+            <a:spAutoFit/>
+          </a:bodyPr>
+          <a:lstStyle/>
+          <a:p>
+            <a:r>
+              <a:rPr lang="en-US" altLang="zh-TW" dirty="0"/>
+              <a:t>State=1</a:t>
+            </a:r>
+          </a:p>
+          <a:p>
+            <a:r>
+              <a:rPr lang="en-US" altLang="zh-TW" dirty="0"/>
+              <a:t>Counter2</a:t>
+            </a:r>
+            <a:r>
+              <a:rPr lang="zh-TW" altLang="en-US" dirty="0"/>
+              <a:t>開始下數</a:t>
+            </a:r>
+          </a:p>
+        </p:txBody>
+      </p:sp>
+    </p:spTree>
+    <p:extLst>
+      <p:ext uri="{BB962C8B-B14F-4D97-AF65-F5344CB8AC3E}">
+        <p14:creationId xmlns:p14="http://schemas.microsoft.com/office/powerpoint/2010/main" val="3637047287"/>
+      </p:ext>
+    </p:extLst>
+  </p:cSld>
+  <p:clrMapOvr>
+    <a:masterClrMapping/>
+  </p:clrMapOvr>
+</p:sld>
+</file>
+
+<file path=ppt/slides/slide4.xml><?xml version="1.0" encoding="utf-8"?>
+<p:sld xmlns:a="http://schemas.openxmlformats.org/drawingml/2006/main" xmlns:r="http://schemas.openxmlformats.org/officeDocument/2006/relationships" xmlns:p="http://schemas.openxmlformats.org/presentationml/2006/main">
+  <p:cSld>
+    <p:spTree>
+      <p:nvGrpSpPr>
+        <p:cNvPr id="1" name=""/>
+        <p:cNvGrpSpPr/>
+        <p:nvPr/>
+      </p:nvGrpSpPr>
+      <p:grpSpPr>
+        <a:xfrm>
+          <a:off x="0" y="0"/>
+          <a:ext cx="0" cy="0"/>
+          <a:chOff x="0" y="0"/>
+          <a:chExt cx="0" cy="0"/>
+        </a:xfrm>
+      </p:grpSpPr>
+      <p:sp>
+        <p:nvSpPr>
+          <p:cNvPr id="2" name="標題 1">
+            <a:extLst>
+              <a:ext uri="{FF2B5EF4-FFF2-40B4-BE49-F238E27FC236}">
+                <a16:creationId xmlns:a16="http://schemas.microsoft.com/office/drawing/2014/main" id="{CC53DE0A-4002-4B2D-A98D-2334894E900C}"/>
+              </a:ext>
+            </a:extLst>
+          </p:cNvPr>
+          <p:cNvSpPr>
+            <a:spLocks noGrp="1"/>
+          </p:cNvSpPr>
+          <p:nvPr>
+            <p:ph type="title"/>
+          </p:nvPr>
+        </p:nvSpPr>
+        <p:spPr/>
+        <p:txBody>
+          <a:bodyPr/>
+          <a:lstStyle/>
+          <a:p>
+            <a:pPr algn="ctr"/>
+            <a:r>
+              <a:rPr lang="zh-TW" altLang="en-US" dirty="0"/>
+              <a:t>影片展示</a:t>
+            </a:r>
+          </a:p>
+        </p:txBody>
+      </p:sp>
+      <p:sp>
+        <p:nvSpPr>
+          <p:cNvPr id="3" name="內容版面配置區 2">
+            <a:extLst>
+              <a:ext uri="{FF2B5EF4-FFF2-40B4-BE49-F238E27FC236}">
+                <a16:creationId xmlns:a16="http://schemas.microsoft.com/office/drawing/2014/main" id="{0348D5B0-E3E9-4973-BB4E-C42D57E7291E}"/>
+              </a:ext>
+            </a:extLst>
+          </p:cNvPr>
+          <p:cNvSpPr>
+            <a:spLocks noGrp="1"/>
+          </p:cNvSpPr>
+          <p:nvPr>
+            <p:ph idx="1"/>
+          </p:nvPr>
+        </p:nvSpPr>
+        <p:spPr/>
+        <p:txBody>
+          <a:bodyPr/>
+          <a:lstStyle/>
+          <a:p>
+            <a:r>
+              <a:rPr lang="en-US" altLang="zh-TW"/>
+              <a:t>https://youtube.com/shorts/YW4kj3ZSufU?feature=share</a:t>
+            </a:r>
+            <a:endParaRPr lang="zh-TW" altLang="en-US" dirty="0"/>
+          </a:p>
+        </p:txBody>
+      </p:sp>
+    </p:spTree>
+    <p:extLst>
+      <p:ext uri="{BB962C8B-B14F-4D97-AF65-F5344CB8AC3E}">
+        <p14:creationId xmlns:p14="http://schemas.microsoft.com/office/powerpoint/2010/main" val="24924918"/>
       </p:ext>
     </p:extLst>
   </p:cSld>
